--- a/docs/songs/in christ alone.pptx
+++ b/docs/songs/in christ alone.pptx
@@ -309,7 +309,7 @@
             <a:fld id="{26EA1CF3-4A15-4CBF-9A5A-6A56C368BE71}" type="datetimeFigureOut">
               <a:rPr lang="en-GB" smtClean="0"/>
               <a:pPr/>
-              <a:t>03/10/2022</a:t>
+              <a:t>08/06/2024</a:t>
             </a:fld>
             <a:endParaRPr lang="en-GB"/>
           </a:p>
@@ -476,7 +476,7 @@
             <a:fld id="{26EA1CF3-4A15-4CBF-9A5A-6A56C368BE71}" type="datetimeFigureOut">
               <a:rPr lang="en-GB" smtClean="0"/>
               <a:pPr/>
-              <a:t>03/10/2022</a:t>
+              <a:t>08/06/2024</a:t>
             </a:fld>
             <a:endParaRPr lang="en-GB"/>
           </a:p>
@@ -653,7 +653,7 @@
             <a:fld id="{26EA1CF3-4A15-4CBF-9A5A-6A56C368BE71}" type="datetimeFigureOut">
               <a:rPr lang="en-GB" smtClean="0"/>
               <a:pPr/>
-              <a:t>03/10/2022</a:t>
+              <a:t>08/06/2024</a:t>
             </a:fld>
             <a:endParaRPr lang="en-GB"/>
           </a:p>
@@ -820,7 +820,7 @@
             <a:fld id="{26EA1CF3-4A15-4CBF-9A5A-6A56C368BE71}" type="datetimeFigureOut">
               <a:rPr lang="en-GB" smtClean="0"/>
               <a:pPr/>
-              <a:t>03/10/2022</a:t>
+              <a:t>08/06/2024</a:t>
             </a:fld>
             <a:endParaRPr lang="en-GB"/>
           </a:p>
@@ -1063,7 +1063,7 @@
             <a:fld id="{26EA1CF3-4A15-4CBF-9A5A-6A56C368BE71}" type="datetimeFigureOut">
               <a:rPr lang="en-GB" smtClean="0"/>
               <a:pPr/>
-              <a:t>03/10/2022</a:t>
+              <a:t>08/06/2024</a:t>
             </a:fld>
             <a:endParaRPr lang="en-GB"/>
           </a:p>
@@ -1348,7 +1348,7 @@
             <a:fld id="{26EA1CF3-4A15-4CBF-9A5A-6A56C368BE71}" type="datetimeFigureOut">
               <a:rPr lang="en-GB" smtClean="0"/>
               <a:pPr/>
-              <a:t>03/10/2022</a:t>
+              <a:t>08/06/2024</a:t>
             </a:fld>
             <a:endParaRPr lang="en-GB"/>
           </a:p>
@@ -1767,7 +1767,7 @@
             <a:fld id="{26EA1CF3-4A15-4CBF-9A5A-6A56C368BE71}" type="datetimeFigureOut">
               <a:rPr lang="en-GB" smtClean="0"/>
               <a:pPr/>
-              <a:t>03/10/2022</a:t>
+              <a:t>08/06/2024</a:t>
             </a:fld>
             <a:endParaRPr lang="en-GB"/>
           </a:p>
@@ -1882,7 +1882,7 @@
             <a:fld id="{26EA1CF3-4A15-4CBF-9A5A-6A56C368BE71}" type="datetimeFigureOut">
               <a:rPr lang="en-GB" smtClean="0"/>
               <a:pPr/>
-              <a:t>03/10/2022</a:t>
+              <a:t>08/06/2024</a:t>
             </a:fld>
             <a:endParaRPr lang="en-GB"/>
           </a:p>
@@ -1974,7 +1974,7 @@
             <a:fld id="{26EA1CF3-4A15-4CBF-9A5A-6A56C368BE71}" type="datetimeFigureOut">
               <a:rPr lang="en-GB" smtClean="0"/>
               <a:pPr/>
-              <a:t>03/10/2022</a:t>
+              <a:t>08/06/2024</a:t>
             </a:fld>
             <a:endParaRPr lang="en-GB"/>
           </a:p>
@@ -2248,7 +2248,7 @@
             <a:fld id="{26EA1CF3-4A15-4CBF-9A5A-6A56C368BE71}" type="datetimeFigureOut">
               <a:rPr lang="en-GB" smtClean="0"/>
               <a:pPr/>
-              <a:t>03/10/2022</a:t>
+              <a:t>08/06/2024</a:t>
             </a:fld>
             <a:endParaRPr lang="en-GB"/>
           </a:p>
@@ -2498,7 +2498,7 @@
             <a:fld id="{26EA1CF3-4A15-4CBF-9A5A-6A56C368BE71}" type="datetimeFigureOut">
               <a:rPr lang="en-GB" smtClean="0"/>
               <a:pPr/>
-              <a:t>03/10/2022</a:t>
+              <a:t>08/06/2024</a:t>
             </a:fld>
             <a:endParaRPr lang="en-GB"/>
           </a:p>
@@ -2711,7 +2711,7 @@
             <a:fld id="{26EA1CF3-4A15-4CBF-9A5A-6A56C368BE71}" type="datetimeFigureOut">
               <a:rPr lang="en-GB" smtClean="0"/>
               <a:pPr/>
-              <a:t>03/10/2022</a:t>
+              <a:t>08/06/2024</a:t>
             </a:fld>
             <a:endParaRPr lang="en-GB"/>
           </a:p>
@@ -3252,7 +3252,7 @@
         </p:nvSpPr>
         <p:spPr>
           <a:xfrm>
-            <a:off x="323528" y="188640"/>
+            <a:off x="208818" y="692696"/>
             <a:ext cx="8640960" cy="6480720"/>
           </a:xfrm>
         </p:spPr>
@@ -3263,7 +3263,7 @@
           <a:lstStyle/>
           <a:p>
             <a:r>
-              <a:rPr lang="en-GB" sz="3800" dirty="0">
+              <a:rPr lang="en-GB" sz="3600" dirty="0">
                 <a:solidFill>
                   <a:schemeClr val="bg1"/>
                 </a:solidFill>
@@ -3273,7 +3273,7 @@
           </a:p>
           <a:p>
             <a:r>
-              <a:rPr lang="en-GB" sz="3800" dirty="0">
+              <a:rPr lang="en-GB" sz="3600" dirty="0">
                 <a:solidFill>
                   <a:schemeClr val="bg1"/>
                 </a:solidFill>
@@ -3283,7 +3283,7 @@
           </a:p>
           <a:p>
             <a:r>
-              <a:rPr lang="en-GB" sz="3800" dirty="0">
+              <a:rPr lang="en-GB" sz="3600" dirty="0">
                 <a:solidFill>
                   <a:schemeClr val="bg1"/>
                 </a:solidFill>
@@ -3293,7 +3293,7 @@
           </a:p>
           <a:p>
             <a:r>
-              <a:rPr lang="en-GB" sz="3800" dirty="0">
+              <a:rPr lang="en-GB" sz="3600" dirty="0">
                 <a:solidFill>
                   <a:schemeClr val="bg1"/>
                 </a:solidFill>
@@ -3303,7 +3303,7 @@
           </a:p>
           <a:p>
             <a:r>
-              <a:rPr lang="en-GB" sz="3800" dirty="0">
+              <a:rPr lang="en-GB" sz="3600" dirty="0">
                 <a:solidFill>
                   <a:schemeClr val="bg1"/>
                 </a:solidFill>
@@ -3313,7 +3313,7 @@
           </a:p>
           <a:p>
             <a:r>
-              <a:rPr lang="en-GB" sz="3800" dirty="0">
+              <a:rPr lang="en-GB" sz="3600" dirty="0">
                 <a:solidFill>
                   <a:schemeClr val="bg1"/>
                 </a:solidFill>
@@ -3323,7 +3323,7 @@
           </a:p>
           <a:p>
             <a:r>
-              <a:rPr lang="en-GB" sz="3800" dirty="0">
+              <a:rPr lang="en-GB" sz="3600" dirty="0">
                 <a:solidFill>
                   <a:schemeClr val="bg1"/>
                 </a:solidFill>
@@ -3333,7 +3333,7 @@
           </a:p>
           <a:p>
             <a:r>
-              <a:rPr lang="en-GB" sz="3800" dirty="0">
+              <a:rPr lang="en-GB" sz="3600" dirty="0">
                 <a:solidFill>
                   <a:schemeClr val="bg1"/>
                 </a:solidFill>
@@ -3418,7 +3418,7 @@
         </p:nvSpPr>
         <p:spPr>
           <a:xfrm>
-            <a:off x="323528" y="188640"/>
+            <a:off x="251520" y="692696"/>
             <a:ext cx="8640960" cy="6480720"/>
           </a:xfrm>
         </p:spPr>
@@ -3429,7 +3429,7 @@
           <a:lstStyle/>
           <a:p>
             <a:r>
-              <a:rPr lang="en-GB" sz="3800" dirty="0">
+              <a:rPr lang="en-GB" sz="3600" dirty="0">
                 <a:solidFill>
                   <a:schemeClr val="bg1"/>
                 </a:solidFill>
@@ -3439,7 +3439,7 @@
           </a:p>
           <a:p>
             <a:r>
-              <a:rPr lang="en-GB" sz="3800" dirty="0">
+              <a:rPr lang="en-GB" sz="3600" dirty="0">
                 <a:solidFill>
                   <a:schemeClr val="bg1"/>
                 </a:solidFill>
@@ -3449,7 +3449,7 @@
           </a:p>
           <a:p>
             <a:r>
-              <a:rPr lang="en-GB" sz="3800" dirty="0">
+              <a:rPr lang="en-GB" sz="3600" dirty="0">
                 <a:solidFill>
                   <a:schemeClr val="bg1"/>
                 </a:solidFill>
@@ -3459,7 +3459,7 @@
           </a:p>
           <a:p>
             <a:r>
-              <a:rPr lang="en-GB" sz="3800" dirty="0">
+              <a:rPr lang="en-GB" sz="3600" dirty="0">
                 <a:solidFill>
                   <a:schemeClr val="bg1"/>
                 </a:solidFill>
@@ -3469,7 +3469,7 @@
           </a:p>
           <a:p>
             <a:r>
-              <a:rPr lang="en-GB" sz="3800" dirty="0">
+              <a:rPr lang="en-GB" sz="3600" dirty="0">
                 <a:solidFill>
                   <a:schemeClr val="bg1"/>
                 </a:solidFill>
@@ -3479,7 +3479,7 @@
           </a:p>
           <a:p>
             <a:r>
-              <a:rPr lang="en-GB" sz="3800" dirty="0">
+              <a:rPr lang="en-GB" sz="3600" dirty="0">
                 <a:solidFill>
                   <a:schemeClr val="bg1"/>
                 </a:solidFill>
@@ -3489,7 +3489,7 @@
           </a:p>
           <a:p>
             <a:r>
-              <a:rPr lang="en-GB" sz="3800" dirty="0">
+              <a:rPr lang="en-GB" sz="3600" dirty="0">
                 <a:solidFill>
                   <a:schemeClr val="bg1"/>
                 </a:solidFill>
@@ -3499,7 +3499,7 @@
           </a:p>
           <a:p>
             <a:r>
-              <a:rPr lang="en-GB" sz="3800" dirty="0">
+              <a:rPr lang="en-GB" sz="3600" dirty="0">
                 <a:solidFill>
                   <a:schemeClr val="bg1"/>
                 </a:solidFill>
@@ -3584,7 +3584,7 @@
         </p:nvSpPr>
         <p:spPr>
           <a:xfrm>
-            <a:off x="107504" y="188640"/>
+            <a:off x="143508" y="692696"/>
             <a:ext cx="8856984" cy="6480720"/>
           </a:xfrm>
         </p:spPr>
@@ -3595,7 +3595,7 @@
           <a:lstStyle/>
           <a:p>
             <a:r>
-              <a:rPr lang="en-GB" sz="3800" dirty="0">
+              <a:rPr lang="en-GB" sz="3600" dirty="0">
                 <a:solidFill>
                   <a:schemeClr val="bg1"/>
                 </a:solidFill>
@@ -3612,7 +3612,7 @@
           </a:p>
           <a:p>
             <a:r>
-              <a:rPr lang="en-GB" sz="3800" dirty="0">
+              <a:rPr lang="en-GB" sz="3600" dirty="0">
                 <a:solidFill>
                   <a:schemeClr val="bg1"/>
                 </a:solidFill>
@@ -3629,7 +3629,7 @@
           </a:p>
           <a:p>
             <a:r>
-              <a:rPr lang="en-GB" sz="3800" dirty="0">
+              <a:rPr lang="en-GB" sz="3600" dirty="0">
                 <a:solidFill>
                   <a:schemeClr val="bg1"/>
                 </a:solidFill>
@@ -3646,7 +3646,7 @@
           </a:p>
           <a:p>
             <a:r>
-              <a:rPr lang="en-GB" sz="3800" dirty="0">
+              <a:rPr lang="en-GB" sz="3600" dirty="0">
                 <a:solidFill>
                   <a:schemeClr val="bg1"/>
                 </a:solidFill>
@@ -3663,7 +3663,7 @@
           </a:p>
           <a:p>
             <a:r>
-              <a:rPr lang="en-GB" sz="3800" dirty="0">
+              <a:rPr lang="en-GB" sz="3600" dirty="0">
                 <a:solidFill>
                   <a:schemeClr val="bg1"/>
                 </a:solidFill>
@@ -3680,7 +3680,7 @@
           </a:p>
           <a:p>
             <a:r>
-              <a:rPr lang="en-GB" sz="3800" dirty="0">
+              <a:rPr lang="en-GB" sz="3600" dirty="0">
                 <a:solidFill>
                   <a:schemeClr val="bg1"/>
                 </a:solidFill>
@@ -3697,7 +3697,7 @@
           </a:p>
           <a:p>
             <a:r>
-              <a:rPr lang="en-GB" sz="3800" dirty="0">
+              <a:rPr lang="en-GB" sz="3600" dirty="0">
                 <a:solidFill>
                   <a:schemeClr val="bg1"/>
                 </a:solidFill>
@@ -3714,7 +3714,7 @@
           </a:p>
           <a:p>
             <a:r>
-              <a:rPr lang="en-GB" sz="3800" dirty="0">
+              <a:rPr lang="en-GB" sz="3600" dirty="0">
                 <a:solidFill>
                   <a:schemeClr val="bg1"/>
                 </a:solidFill>
@@ -3806,7 +3806,7 @@
         </p:nvSpPr>
         <p:spPr>
           <a:xfrm>
-            <a:off x="107504" y="188640"/>
+            <a:off x="143508" y="692696"/>
             <a:ext cx="8856984" cy="6480720"/>
           </a:xfrm>
         </p:spPr>
@@ -3817,7 +3817,7 @@
           <a:lstStyle/>
           <a:p>
             <a:r>
-              <a:rPr lang="en-GB" sz="3800" dirty="0">
+              <a:rPr lang="en-GB" sz="3600" dirty="0">
                 <a:solidFill>
                   <a:schemeClr val="bg1"/>
                 </a:solidFill>
@@ -3827,7 +3827,7 @@
           </a:p>
           <a:p>
             <a:r>
-              <a:rPr lang="en-GB" sz="3800" dirty="0">
+              <a:rPr lang="en-GB" sz="3600" dirty="0">
                 <a:solidFill>
                   <a:schemeClr val="bg1"/>
                 </a:solidFill>
@@ -3837,7 +3837,7 @@
           </a:p>
           <a:p>
             <a:r>
-              <a:rPr lang="en-GB" sz="3800" dirty="0">
+              <a:rPr lang="en-GB" sz="3600" dirty="0">
                 <a:solidFill>
                   <a:schemeClr val="bg1"/>
                 </a:solidFill>
@@ -3847,7 +3847,7 @@
           </a:p>
           <a:p>
             <a:r>
-              <a:rPr lang="en-GB" sz="3800" dirty="0">
+              <a:rPr lang="en-GB" sz="3600" dirty="0">
                 <a:solidFill>
                   <a:schemeClr val="bg1"/>
                 </a:solidFill>
@@ -3857,7 +3857,7 @@
           </a:p>
           <a:p>
             <a:r>
-              <a:rPr lang="en-GB" sz="3800" dirty="0">
+              <a:rPr lang="en-GB" sz="3600" dirty="0">
                 <a:solidFill>
                   <a:schemeClr val="bg1"/>
                 </a:solidFill>
@@ -3867,7 +3867,7 @@
           </a:p>
           <a:p>
             <a:r>
-              <a:rPr lang="en-GB" sz="3800" dirty="0">
+              <a:rPr lang="en-GB" sz="3600" dirty="0">
                 <a:solidFill>
                   <a:schemeClr val="bg1"/>
                 </a:solidFill>
@@ -3877,7 +3877,7 @@
           </a:p>
           <a:p>
             <a:r>
-              <a:rPr lang="en-GB" sz="3800" dirty="0">
+              <a:rPr lang="en-GB" sz="3600" dirty="0">
                 <a:solidFill>
                   <a:schemeClr val="bg1"/>
                 </a:solidFill>
@@ -3887,7 +3887,7 @@
           </a:p>
           <a:p>
             <a:r>
-              <a:rPr lang="en-GB" sz="3800" dirty="0">
+              <a:rPr lang="en-GB" sz="3600" dirty="0">
                 <a:solidFill>
                   <a:schemeClr val="bg1"/>
                 </a:solidFill>
